--- a/therbligs-backend-diagram.pptx
+++ b/therbligs-backend-diagram.pptx
@@ -197,7 +197,7 @@
           <a:p>
             <a:fld id="{973F709E-1569-D345-B5AC-4F58E929727E}" type="datetimeFigureOut">
               <a:rPr lang="en-US" smtClean="0"/>
-              <a:t>6/10/18</a:t>
+              <a:t>6/12/18</a:t>
             </a:fld>
             <a:endParaRPr lang="en-US"/>
           </a:p>
@@ -611,7 +611,7 @@
           <a:p>
             <a:fld id="{57C6F9FD-C788-AD44-ADA8-3058EBBF8643}" type="datetimeFigureOut">
               <a:rPr lang="en-US" smtClean="0"/>
-              <a:t>6/10/18</a:t>
+              <a:t>6/12/18</a:t>
             </a:fld>
             <a:endParaRPr lang="en-US"/>
           </a:p>
@@ -809,7 +809,7 @@
           <a:p>
             <a:fld id="{57C6F9FD-C788-AD44-ADA8-3058EBBF8643}" type="datetimeFigureOut">
               <a:rPr lang="en-US" smtClean="0"/>
-              <a:t>6/10/18</a:t>
+              <a:t>6/12/18</a:t>
             </a:fld>
             <a:endParaRPr lang="en-US"/>
           </a:p>
@@ -1017,7 +1017,7 @@
           <a:p>
             <a:fld id="{57C6F9FD-C788-AD44-ADA8-3058EBBF8643}" type="datetimeFigureOut">
               <a:rPr lang="en-US" smtClean="0"/>
-              <a:t>6/10/18</a:t>
+              <a:t>6/12/18</a:t>
             </a:fld>
             <a:endParaRPr lang="en-US"/>
           </a:p>
@@ -1215,7 +1215,7 @@
           <a:p>
             <a:fld id="{57C6F9FD-C788-AD44-ADA8-3058EBBF8643}" type="datetimeFigureOut">
               <a:rPr lang="en-US" smtClean="0"/>
-              <a:t>6/10/18</a:t>
+              <a:t>6/12/18</a:t>
             </a:fld>
             <a:endParaRPr lang="en-US"/>
           </a:p>
@@ -1490,7 +1490,7 @@
           <a:p>
             <a:fld id="{57C6F9FD-C788-AD44-ADA8-3058EBBF8643}" type="datetimeFigureOut">
               <a:rPr lang="en-US" smtClean="0"/>
-              <a:t>6/10/18</a:t>
+              <a:t>6/12/18</a:t>
             </a:fld>
             <a:endParaRPr lang="en-US"/>
           </a:p>
@@ -1755,7 +1755,7 @@
           <a:p>
             <a:fld id="{57C6F9FD-C788-AD44-ADA8-3058EBBF8643}" type="datetimeFigureOut">
               <a:rPr lang="en-US" smtClean="0"/>
-              <a:t>6/10/18</a:t>
+              <a:t>6/12/18</a:t>
             </a:fld>
             <a:endParaRPr lang="en-US"/>
           </a:p>
@@ -2167,7 +2167,7 @@
           <a:p>
             <a:fld id="{57C6F9FD-C788-AD44-ADA8-3058EBBF8643}" type="datetimeFigureOut">
               <a:rPr lang="en-US" smtClean="0"/>
-              <a:t>6/10/18</a:t>
+              <a:t>6/12/18</a:t>
             </a:fld>
             <a:endParaRPr lang="en-US"/>
           </a:p>
@@ -2308,7 +2308,7 @@
           <a:p>
             <a:fld id="{57C6F9FD-C788-AD44-ADA8-3058EBBF8643}" type="datetimeFigureOut">
               <a:rPr lang="en-US" smtClean="0"/>
-              <a:t>6/10/18</a:t>
+              <a:t>6/12/18</a:t>
             </a:fld>
             <a:endParaRPr lang="en-US"/>
           </a:p>
@@ -2421,7 +2421,7 @@
           <a:p>
             <a:fld id="{57C6F9FD-C788-AD44-ADA8-3058EBBF8643}" type="datetimeFigureOut">
               <a:rPr lang="en-US" smtClean="0"/>
-              <a:t>6/10/18</a:t>
+              <a:t>6/12/18</a:t>
             </a:fld>
             <a:endParaRPr lang="en-US"/>
           </a:p>
@@ -2732,7 +2732,7 @@
           <a:p>
             <a:fld id="{57C6F9FD-C788-AD44-ADA8-3058EBBF8643}" type="datetimeFigureOut">
               <a:rPr lang="en-US" smtClean="0"/>
-              <a:t>6/10/18</a:t>
+              <a:t>6/12/18</a:t>
             </a:fld>
             <a:endParaRPr lang="en-US"/>
           </a:p>
@@ -3020,7 +3020,7 @@
           <a:p>
             <a:fld id="{57C6F9FD-C788-AD44-ADA8-3058EBBF8643}" type="datetimeFigureOut">
               <a:rPr lang="en-US" smtClean="0"/>
-              <a:t>6/10/18</a:t>
+              <a:t>6/12/18</a:t>
             </a:fld>
             <a:endParaRPr lang="en-US"/>
           </a:p>
@@ -3261,7 +3261,7 @@
           <a:p>
             <a:fld id="{57C6F9FD-C788-AD44-ADA8-3058EBBF8643}" type="datetimeFigureOut">
               <a:rPr lang="en-US" smtClean="0"/>
-              <a:t>6/10/18</a:t>
+              <a:t>6/12/18</a:t>
             </a:fld>
             <a:endParaRPr lang="en-US"/>
           </a:p>
@@ -3722,15 +3722,7 @@
             <a:pPr algn="ctr"/>
             <a:r>
               <a:rPr lang="en-US" dirty="0"/>
-              <a:t>UI </a:t>
-            </a:r>
-            <a:r>
-              <a:rPr lang="en-US" dirty="0" err="1"/>
-              <a:t>NodeJs</a:t>
-            </a:r>
-            <a:r>
-              <a:rPr lang="en-US" dirty="0"/>
-              <a:t> Server</a:t>
+              <a:t>UI NodeJs Server</a:t>
             </a:r>
           </a:p>
         </p:txBody>
@@ -4326,13 +4318,8 @@
           <a:p>
             <a:r>
               <a:rPr lang="en-US" sz="1400" dirty="0"/>
-              <a:t>Pass the therbligs </a:t>
-            </a:r>
-            <a:r>
-              <a:rPr lang="en-US" sz="1400" dirty="0" err="1"/>
-              <a:t>json</a:t>
-            </a:r>
-            <a:endParaRPr lang="en-US" sz="1400" dirty="0"/>
+              <a:t>Pass the therbligs json</a:t>
+            </a:r>
           </a:p>
         </p:txBody>
       </p:sp>
@@ -4366,13 +4353,8 @@
           <a:p>
             <a:r>
               <a:rPr lang="en-US" sz="1400" dirty="0"/>
-              <a:t>Read from </a:t>
-            </a:r>
-            <a:r>
-              <a:rPr lang="en-US" sz="1400" dirty="0" err="1"/>
-              <a:t>json</a:t>
-            </a:r>
-            <a:endParaRPr lang="en-US" sz="1400" dirty="0"/>
+              <a:t>Read from json</a:t>
+            </a:r>
           </a:p>
         </p:txBody>
       </p:sp>
@@ -4469,13 +4451,8 @@
             <a:pPr algn="ctr"/>
             <a:r>
               <a:rPr lang="en-US" dirty="0"/>
-              <a:t>Python </a:t>
-            </a:r>
-            <a:r>
-              <a:rPr lang="en-US" dirty="0" err="1"/>
-              <a:t>HttpServer</a:t>
-            </a:r>
-            <a:endParaRPr lang="en-US" dirty="0"/>
+              <a:t>Python HttpServer</a:t>
+            </a:r>
           </a:p>
         </p:txBody>
       </p:sp>
@@ -4571,18 +4548,9 @@
           <a:p>
             <a:pPr algn="ctr"/>
             <a:r>
-              <a:rPr lang="en-US" dirty="0" err="1"/>
-              <a:t>kinova-ros</a:t>
-            </a:r>
-            <a:r>
               <a:rPr lang="en-US" dirty="0"/>
-              <a:t> &amp; </a:t>
-            </a:r>
-            <a:r>
-              <a:rPr lang="en-US" dirty="0" err="1"/>
-              <a:t>MoveIt</a:t>
-            </a:r>
-            <a:endParaRPr lang="en-US" dirty="0"/>
+              <a:t>kinova-ros &amp; MoveIt</a:t>
+            </a:r>
           </a:p>
         </p:txBody>
       </p:sp>
@@ -4938,15 +4906,7 @@
             </a:pPr>
             <a:r>
               <a:rPr lang="en-US" sz="1400" dirty="0"/>
-              <a:t>Rectangular-shaped components </a:t>
-            </a:r>
-            <a:r>
-              <a:rPr lang="en-US" sz="1400"/>
-              <a:t>rerpresents </a:t>
-            </a:r>
-            <a:r>
-              <a:rPr lang="en-US" sz="1400" dirty="0"/>
-              <a:t>imported packages.</a:t>
+              <a:t>Rectangular-shaped components represent the imported packages.</a:t>
             </a:r>
           </a:p>
         </p:txBody>
